--- a/Git_GitHub Overview.pptx
+++ b/Git_GitHub Overview.pptx
@@ -104,6 +104,11 @@
       </a:defRPr>
     </a:lvl9pPr>
   </p:defaultTextStyle>
+  <p:extLst>
+    <p:ext uri="{EFAFB233-063F-42B5-8137-9DF3F51BA10A}">
+      <p15:sldGuideLst xmlns:p15="http://schemas.microsoft.com/office/powerpoint/2012/main"/>
+    </p:ext>
+  </p:extLst>
 </p:presentation>
 </file>
 
@@ -254,7 +259,7 @@
           <a:p>
             <a:fld id="{C24FD1C2-CFF7-4CD9-A319-669292F33942}" type="datetimeFigureOut">
               <a:rPr lang="en-US" smtClean="0"/>
-              <a:t>5/8/2019</a:t>
+              <a:t>5/9/2019</a:t>
             </a:fld>
             <a:endParaRPr lang="en-US"/>
           </a:p>
@@ -452,7 +457,7 @@
           <a:p>
             <a:fld id="{C24FD1C2-CFF7-4CD9-A319-669292F33942}" type="datetimeFigureOut">
               <a:rPr lang="en-US" smtClean="0"/>
-              <a:t>5/8/2019</a:t>
+              <a:t>5/9/2019</a:t>
             </a:fld>
             <a:endParaRPr lang="en-US"/>
           </a:p>
@@ -660,7 +665,7 @@
           <a:p>
             <a:fld id="{C24FD1C2-CFF7-4CD9-A319-669292F33942}" type="datetimeFigureOut">
               <a:rPr lang="en-US" smtClean="0"/>
-              <a:t>5/8/2019</a:t>
+              <a:t>5/9/2019</a:t>
             </a:fld>
             <a:endParaRPr lang="en-US"/>
           </a:p>
@@ -858,7 +863,7 @@
           <a:p>
             <a:fld id="{C24FD1C2-CFF7-4CD9-A319-669292F33942}" type="datetimeFigureOut">
               <a:rPr lang="en-US" smtClean="0"/>
-              <a:t>5/8/2019</a:t>
+              <a:t>5/9/2019</a:t>
             </a:fld>
             <a:endParaRPr lang="en-US"/>
           </a:p>
@@ -1133,7 +1138,7 @@
           <a:p>
             <a:fld id="{C24FD1C2-CFF7-4CD9-A319-669292F33942}" type="datetimeFigureOut">
               <a:rPr lang="en-US" smtClean="0"/>
-              <a:t>5/8/2019</a:t>
+              <a:t>5/9/2019</a:t>
             </a:fld>
             <a:endParaRPr lang="en-US"/>
           </a:p>
@@ -1398,7 +1403,7 @@
           <a:p>
             <a:fld id="{C24FD1C2-CFF7-4CD9-A319-669292F33942}" type="datetimeFigureOut">
               <a:rPr lang="en-US" smtClean="0"/>
-              <a:t>5/8/2019</a:t>
+              <a:t>5/9/2019</a:t>
             </a:fld>
             <a:endParaRPr lang="en-US"/>
           </a:p>
@@ -1810,7 +1815,7 @@
           <a:p>
             <a:fld id="{C24FD1C2-CFF7-4CD9-A319-669292F33942}" type="datetimeFigureOut">
               <a:rPr lang="en-US" smtClean="0"/>
-              <a:t>5/8/2019</a:t>
+              <a:t>5/9/2019</a:t>
             </a:fld>
             <a:endParaRPr lang="en-US"/>
           </a:p>
@@ -1951,7 +1956,7 @@
           <a:p>
             <a:fld id="{C24FD1C2-CFF7-4CD9-A319-669292F33942}" type="datetimeFigureOut">
               <a:rPr lang="en-US" smtClean="0"/>
-              <a:t>5/8/2019</a:t>
+              <a:t>5/9/2019</a:t>
             </a:fld>
             <a:endParaRPr lang="en-US"/>
           </a:p>
@@ -2064,7 +2069,7 @@
           <a:p>
             <a:fld id="{C24FD1C2-CFF7-4CD9-A319-669292F33942}" type="datetimeFigureOut">
               <a:rPr lang="en-US" smtClean="0"/>
-              <a:t>5/8/2019</a:t>
+              <a:t>5/9/2019</a:t>
             </a:fld>
             <a:endParaRPr lang="en-US"/>
           </a:p>
@@ -2375,7 +2380,7 @@
           <a:p>
             <a:fld id="{C24FD1C2-CFF7-4CD9-A319-669292F33942}" type="datetimeFigureOut">
               <a:rPr lang="en-US" smtClean="0"/>
-              <a:t>5/8/2019</a:t>
+              <a:t>5/9/2019</a:t>
             </a:fld>
             <a:endParaRPr lang="en-US"/>
           </a:p>
@@ -2663,7 +2668,7 @@
           <a:p>
             <a:fld id="{C24FD1C2-CFF7-4CD9-A319-669292F33942}" type="datetimeFigureOut">
               <a:rPr lang="en-US" smtClean="0"/>
-              <a:t>5/8/2019</a:t>
+              <a:t>5/9/2019</a:t>
             </a:fld>
             <a:endParaRPr lang="en-US"/>
           </a:p>
@@ -2904,7 +2909,7 @@
           <a:p>
             <a:fld id="{C24FD1C2-CFF7-4CD9-A319-669292F33942}" type="datetimeFigureOut">
               <a:rPr lang="en-US" smtClean="0"/>
-              <a:t>5/8/2019</a:t>
+              <a:t>5/9/2019</a:t>
             </a:fld>
             <a:endParaRPr lang="en-US"/>
           </a:p>
@@ -4381,88 +4386,6 @@
           </a:p>
         </p:txBody>
       </p:sp>
-      <p:sp>
-        <p:nvSpPr>
-          <p:cNvPr id="12" name="Rectangle 11">
-            <a:extLst>
-              <a:ext uri="{FF2B5EF4-FFF2-40B4-BE49-F238E27FC236}">
-                <a16:creationId xmlns:a16="http://schemas.microsoft.com/office/drawing/2014/main" id="{57742C94-D586-4146-9DA2-C8DD8C42744E}"/>
-              </a:ext>
-            </a:extLst>
-          </p:cNvPr>
-          <p:cNvSpPr/>
-          <p:nvPr/>
-        </p:nvSpPr>
-        <p:spPr>
-          <a:xfrm>
-            <a:off x="7087870" y="2261438"/>
-            <a:ext cx="5104130" cy="771322"/>
-          </a:xfrm>
-          <a:prstGeom prst="rect">
-            <a:avLst/>
-          </a:prstGeom>
-          <a:solidFill>
-            <a:schemeClr val="accent1">
-              <a:lumMod val="75000"/>
-            </a:schemeClr>
-          </a:solidFill>
-        </p:spPr>
-        <p:style>
-          <a:lnRef idx="2">
-            <a:schemeClr val="accent1">
-              <a:shade val="50000"/>
-            </a:schemeClr>
-          </a:lnRef>
-          <a:fillRef idx="1">
-            <a:schemeClr val="accent1"/>
-          </a:fillRef>
-          <a:effectRef idx="0">
-            <a:schemeClr val="accent1"/>
-          </a:effectRef>
-          <a:fontRef idx="minor">
-            <a:schemeClr val="lt1"/>
-          </a:fontRef>
-        </p:style>
-        <p:txBody>
-          <a:bodyPr rtlCol="0" anchor="ctr"/>
-          <a:lstStyle/>
-          <a:p>
-            <a:r>
-              <a:rPr lang="en-US" sz="1000" b="1" dirty="0"/>
-              <a:t>10. </a:t>
-            </a:r>
-            <a:r>
-              <a:rPr lang="en-US" sz="1000" dirty="0"/>
-              <a:t>Pull any changes that was made at the remote repository (GitHub) down to your local repository using </a:t>
-            </a:r>
-            <a:r>
-              <a:rPr lang="en-US" sz="1000" b="1" dirty="0">
-                <a:solidFill>
-                  <a:schemeClr val="accent2"/>
-                </a:solidFill>
-              </a:rPr>
-              <a:t>$ git pull</a:t>
-            </a:r>
-          </a:p>
-          <a:p>
-            <a:endParaRPr lang="en-US" sz="1000" b="1" dirty="0">
-              <a:solidFill>
-                <a:schemeClr val="accent2"/>
-              </a:solidFill>
-            </a:endParaRPr>
-          </a:p>
-          <a:p>
-            <a:r>
-              <a:rPr lang="en-US" sz="1000" b="1" dirty="0"/>
-              <a:t>Note:</a:t>
-            </a:r>
-            <a:r>
-              <a:rPr lang="en-US" sz="1000" dirty="0"/>
-              <a:t> if no changes were made at the remote repository then the message “Already up-to-date.” will be displayed. </a:t>
-            </a:r>
-          </a:p>
-        </p:txBody>
-      </p:sp>
     </p:spTree>
     <p:extLst>
       <p:ext uri="{BB962C8B-B14F-4D97-AF65-F5344CB8AC3E}">
